--- a/doc/datarecorder-design.pptx
+++ b/doc/datarecorder-design.pptx
@@ -120,6 +120,22 @@
       </a:defRPr>
     </a:lvl9pPr>
   </p:defaultTextStyle>
+  <p:extLst>
+    <p:ext uri="{EFAFB233-063F-42B5-8137-9DF3F51BA10A}">
+      <p15:sldGuideLst xmlns:p15="http://schemas.microsoft.com/office/powerpoint/2012/main">
+        <p15:guide id="1" orient="horz" pos="2160">
+          <p15:clr>
+            <a:srgbClr val="A4A3A4"/>
+          </p15:clr>
+        </p15:guide>
+        <p15:guide id="2" pos="2880">
+          <p15:clr>
+            <a:srgbClr val="A4A3A4"/>
+          </p15:clr>
+        </p15:guide>
+      </p15:sldGuideLst>
+    </p:ext>
+  </p:extLst>
 </p:presentation>
 </file>
 
@@ -305,7 +321,7 @@
             <a:fld id="{1C86FAE4-9EAF-44F4-86D3-B935E7AF4ACE}" type="datetimeFigureOut">
               <a:rPr lang="en-US" smtClean="0"/>
               <a:pPr/>
-              <a:t>3/6/2013</a:t>
+              <a:t>6/8/2017</a:t>
             </a:fld>
             <a:endParaRPr lang="en-US"/>
           </a:p>
@@ -472,7 +488,7 @@
             <a:fld id="{1C86FAE4-9EAF-44F4-86D3-B935E7AF4ACE}" type="datetimeFigureOut">
               <a:rPr lang="en-US" smtClean="0"/>
               <a:pPr/>
-              <a:t>3/6/2013</a:t>
+              <a:t>6/8/2017</a:t>
             </a:fld>
             <a:endParaRPr lang="en-US"/>
           </a:p>
@@ -649,7 +665,7 @@
             <a:fld id="{1C86FAE4-9EAF-44F4-86D3-B935E7AF4ACE}" type="datetimeFigureOut">
               <a:rPr lang="en-US" smtClean="0"/>
               <a:pPr/>
-              <a:t>3/6/2013</a:t>
+              <a:t>6/8/2017</a:t>
             </a:fld>
             <a:endParaRPr lang="en-US"/>
           </a:p>
@@ -816,7 +832,7 @@
             <a:fld id="{1C86FAE4-9EAF-44F4-86D3-B935E7AF4ACE}" type="datetimeFigureOut">
               <a:rPr lang="en-US" smtClean="0"/>
               <a:pPr/>
-              <a:t>3/6/2013</a:t>
+              <a:t>6/8/2017</a:t>
             </a:fld>
             <a:endParaRPr lang="en-US"/>
           </a:p>
@@ -1059,7 +1075,7 @@
             <a:fld id="{1C86FAE4-9EAF-44F4-86D3-B935E7AF4ACE}" type="datetimeFigureOut">
               <a:rPr lang="en-US" smtClean="0"/>
               <a:pPr/>
-              <a:t>3/6/2013</a:t>
+              <a:t>6/8/2017</a:t>
             </a:fld>
             <a:endParaRPr lang="en-US"/>
           </a:p>
@@ -1344,7 +1360,7 @@
             <a:fld id="{1C86FAE4-9EAF-44F4-86D3-B935E7AF4ACE}" type="datetimeFigureOut">
               <a:rPr lang="en-US" smtClean="0"/>
               <a:pPr/>
-              <a:t>3/6/2013</a:t>
+              <a:t>6/8/2017</a:t>
             </a:fld>
             <a:endParaRPr lang="en-US"/>
           </a:p>
@@ -1763,7 +1779,7 @@
             <a:fld id="{1C86FAE4-9EAF-44F4-86D3-B935E7AF4ACE}" type="datetimeFigureOut">
               <a:rPr lang="en-US" smtClean="0"/>
               <a:pPr/>
-              <a:t>3/6/2013</a:t>
+              <a:t>6/8/2017</a:t>
             </a:fld>
             <a:endParaRPr lang="en-US"/>
           </a:p>
@@ -1878,7 +1894,7 @@
             <a:fld id="{1C86FAE4-9EAF-44F4-86D3-B935E7AF4ACE}" type="datetimeFigureOut">
               <a:rPr lang="en-US" smtClean="0"/>
               <a:pPr/>
-              <a:t>3/6/2013</a:t>
+              <a:t>6/8/2017</a:t>
             </a:fld>
             <a:endParaRPr lang="en-US"/>
           </a:p>
@@ -1970,7 +1986,7 @@
             <a:fld id="{1C86FAE4-9EAF-44F4-86D3-B935E7AF4ACE}" type="datetimeFigureOut">
               <a:rPr lang="en-US" smtClean="0"/>
               <a:pPr/>
-              <a:t>3/6/2013</a:t>
+              <a:t>6/8/2017</a:t>
             </a:fld>
             <a:endParaRPr lang="en-US"/>
           </a:p>
@@ -2244,7 +2260,7 @@
             <a:fld id="{1C86FAE4-9EAF-44F4-86D3-B935E7AF4ACE}" type="datetimeFigureOut">
               <a:rPr lang="en-US" smtClean="0"/>
               <a:pPr/>
-              <a:t>3/6/2013</a:t>
+              <a:t>6/8/2017</a:t>
             </a:fld>
             <a:endParaRPr lang="en-US"/>
           </a:p>
@@ -2494,7 +2510,7 @@
             <a:fld id="{1C86FAE4-9EAF-44F4-86D3-B935E7AF4ACE}" type="datetimeFigureOut">
               <a:rPr lang="en-US" smtClean="0"/>
               <a:pPr/>
-              <a:t>3/6/2013</a:t>
+              <a:t>6/8/2017</a:t>
             </a:fld>
             <a:endParaRPr lang="en-US"/>
           </a:p>
@@ -2704,7 +2720,7 @@
             <a:fld id="{1C86FAE4-9EAF-44F4-86D3-B935E7AF4ACE}" type="datetimeFigureOut">
               <a:rPr lang="en-US" smtClean="0"/>
               <a:pPr/>
-              <a:t>3/6/2013</a:t>
+              <a:t>6/8/2017</a:t>
             </a:fld>
             <a:endParaRPr lang="en-US"/>
           </a:p>
@@ -7049,7 +7065,15 @@
                   <a:schemeClr val="tx1"/>
                 </a:solidFill>
               </a:rPr>
-              <a:t>Simulation::</a:t>
+              <a:t>simulation</a:t>
+            </a:r>
+            <a:r>
+              <a:rPr lang="en-US" sz="1400" b="1" dirty="0" smtClean="0">
+                <a:solidFill>
+                  <a:schemeClr val="tx1"/>
+                </a:solidFill>
+              </a:rPr>
+              <a:t>::</a:t>
             </a:r>
             <a:r>
               <a:rPr lang="en-US" sz="1400" b="1" dirty="0" err="1" smtClean="0">
@@ -7134,12 +7158,28 @@
           <a:p>
             <a:pPr algn="ctr"/>
             <a:r>
+              <a:rPr lang="en-US" sz="1400" b="1" dirty="0">
+                <a:solidFill>
+                  <a:schemeClr val="tx1"/>
+                </a:solidFill>
+              </a:rPr>
+              <a:t>r</a:t>
+            </a:r>
+            <a:r>
               <a:rPr lang="en-US" sz="1400" b="1" dirty="0" smtClean="0">
                 <a:solidFill>
                   <a:schemeClr val="tx1"/>
                 </a:solidFill>
               </a:rPr>
-              <a:t>Recorder::</a:t>
+              <a:t>ecorder</a:t>
+            </a:r>
+            <a:r>
+              <a:rPr lang="en-US" sz="1400" b="1" dirty="0" smtClean="0">
+                <a:solidFill>
+                  <a:schemeClr val="tx1"/>
+                </a:solidFill>
+              </a:rPr>
+              <a:t>::</a:t>
             </a:r>
             <a:r>
               <a:rPr lang="en-US" sz="1400" b="1" dirty="0" err="1" smtClean="0">
